--- a/迭代模型_G11.pptx
+++ b/迭代模型_G11.pptx
@@ -8640,7 +8640,7 @@
         <p:spPr>
           <a:xfrm>
             <a:off x="3672711" y="2038176"/>
-            <a:ext cx="4498329" cy="2214880"/>
+            <a:ext cx="4498329" cy="4338320"/>
           </a:xfrm>
           <a:prstGeom prst="rect">
             <a:avLst/>
@@ -8664,7 +8664,7 @@
                 <a:latin typeface="DINEngschriftStd" pitchFamily="50" charset="0"/>
                 <a:ea typeface="+mj-ea"/>
               </a:rPr>
-              <a:t>G1</a:t>
+              <a:t>G11</a:t>
             </a:r>
             <a:r>
               <a:rPr lang="en-US" altLang="zh-CN" sz="13800" b="1" dirty="0" smtClean="0">
@@ -11667,7 +11667,6 @@
             <a:pPr defTabSz="1176655"/>
             <a:r>
               <a:rPr lang="zh-CN" altLang="en-US" sz="2800" dirty="0">
-                <a:ln/>
                 <a:solidFill>
                   <a:srgbClr val="7030A0"/>
                 </a:solidFill>
@@ -11678,7 +11677,6 @@
               <a:t>RUP的影响</a:t>
             </a:r>
             <a:endParaRPr lang="zh-CN" altLang="en-US" sz="2800" dirty="0">
-              <a:ln/>
               <a:solidFill>
                 <a:srgbClr val="7030A0"/>
               </a:solidFill>
@@ -11690,7 +11688,6 @@
           <a:p>
             <a:pPr defTabSz="1176655"/>
             <a:endParaRPr lang="zh-CN" altLang="en-US" sz="2800" dirty="0">
-              <a:ln/>
               <a:solidFill>
                 <a:srgbClr val="7030A0"/>
               </a:solidFill>
@@ -12387,17 +12384,7 @@
                 <a:latin typeface="微软雅黑" panose="020B0503020204020204" pitchFamily="34" charset="-122"/>
                 <a:ea typeface="微软雅黑" panose="020B0503020204020204" pitchFamily="34" charset="-122"/>
               </a:rPr>
-              <a:t>迭代型生命周期阶段有哪几个</a:t>
-            </a:r>
-            <a:r>
-              <a:rPr lang="zh-CN" sz="2400" dirty="0">
-                <a:solidFill>
-                  <a:srgbClr val="000000"/>
-                </a:solidFill>
-                <a:latin typeface="微软雅黑" panose="020B0503020204020204" pitchFamily="34" charset="-122"/>
-                <a:ea typeface="微软雅黑" panose="020B0503020204020204" pitchFamily="34" charset="-122"/>
-              </a:rPr>
-              <a:t>？</a:t>
+              <a:t>迭代型生命周期阶段有哪几个？</a:t>
             </a:r>
             <a:endParaRPr lang="zh-CN" sz="2400" dirty="0">
               <a:solidFill>
@@ -13316,17 +13303,7 @@
                 <a:latin typeface="微软雅黑" panose="020B0503020204020204" pitchFamily="34" charset="-122"/>
                 <a:ea typeface="微软雅黑" panose="020B0503020204020204" pitchFamily="34" charset="-122"/>
               </a:rPr>
-              <a:t>在实际生产中依据什么来选择开发模型</a:t>
-            </a:r>
-            <a:r>
-              <a:rPr lang="zh-CN" sz="2400" dirty="0">
-                <a:solidFill>
-                  <a:srgbClr val="000000"/>
-                </a:solidFill>
-                <a:latin typeface="微软雅黑" panose="020B0503020204020204" pitchFamily="34" charset="-122"/>
-                <a:ea typeface="微软雅黑" panose="020B0503020204020204" pitchFamily="34" charset="-122"/>
-              </a:rPr>
-              <a:t>？</a:t>
+              <a:t>在实际生产中依据什么来选择开发模型？</a:t>
             </a:r>
             <a:endParaRPr lang="zh-CN" sz="2400" dirty="0">
               <a:solidFill>

--- a/迭代模型_G11.pptx
+++ b/迭代模型_G11.pptx
@@ -8430,6 +8430,17 @@
 <file path=ppt/slides/slide1.xml><?xml version="1.0" encoding="utf-8"?>
 <p:sld xmlns:a="http://schemas.openxmlformats.org/drawingml/2006/main" xmlns:r="http://schemas.openxmlformats.org/officeDocument/2006/relationships" xmlns:p="http://schemas.openxmlformats.org/presentationml/2006/main">
   <p:cSld>
+    <p:bg>
+      <p:bgPr>
+        <a:blipFill rotWithShape="1">
+          <a:blip r:embed="rId1"/>
+          <a:stretch>
+            <a:fillRect/>
+          </a:stretch>
+        </a:blipFill>
+        <a:effectLst/>
+      </p:bgPr>
+    </p:bg>
     <p:spTree>
       <p:nvGrpSpPr>
         <p:cNvPr id="1" name=""/>
@@ -8453,7 +8464,7 @@
           <p:nvPr/>
         </p:nvPicPr>
         <p:blipFill>
-          <a:blip r:embed="rId1">
+          <a:blip r:embed="rId2">
             <a:extLst>
               <a:ext uri="{28A0092B-C50C-407E-A947-70E740481C1C}">
                 <a14:useLocalDpi xmlns:a14="http://schemas.microsoft.com/office/drawing/2010/main" val="0"/>
@@ -8640,7 +8651,7 @@
         <p:spPr>
           <a:xfrm>
             <a:off x="3672711" y="2038176"/>
-            <a:ext cx="4498329" cy="4338320"/>
+            <a:ext cx="4498329" cy="2214880"/>
           </a:xfrm>
           <a:prstGeom prst="rect">
             <a:avLst/>
@@ -8665,29 +8676,6 @@
                 <a:ea typeface="+mj-ea"/>
               </a:rPr>
               <a:t>G11</a:t>
-            </a:r>
-            <a:r>
-              <a:rPr lang="en-US" altLang="zh-CN" sz="13800" b="1" dirty="0" smtClean="0">
-                <a:ln w="10160">
-                  <a:solidFill>
-                    <a:schemeClr val="accent5"/>
-                  </a:solidFill>
-                  <a:prstDash val="solid"/>
-                </a:ln>
-                <a:solidFill>
-                  <a:srgbClr val="FFFFFF"/>
-                </a:solidFill>
-                <a:effectLst>
-                  <a:outerShdw blurRad="38100" dist="22860" dir="5400000" algn="tl" rotWithShape="0">
-                    <a:srgbClr val="000000">
-                      <a:alpha val="30000"/>
-                    </a:srgbClr>
-                  </a:outerShdw>
-                </a:effectLst>
-                <a:latin typeface="DINEngschriftStd" pitchFamily="50" charset="0"/>
-                <a:ea typeface="+mj-ea"/>
-              </a:rPr>
-              <a:t>1</a:t>
             </a:r>
             <a:endParaRPr lang="en-US" altLang="zh-CN" sz="13800" b="1" dirty="0" smtClean="0">
               <a:ln w="10160">
@@ -8799,6 +8787,30 @@
           </a:p>
         </p:txBody>
       </p:sp>
+      <p:pic>
+        <p:nvPicPr>
+          <p:cNvPr id="5" name="图片 4" descr="logoBlack"/>
+          <p:cNvPicPr>
+            <a:picLocks noChangeAspect="1"/>
+          </p:cNvPicPr>
+          <p:nvPr/>
+        </p:nvPicPr>
+        <p:blipFill>
+          <a:blip r:embed="rId1"/>
+          <a:stretch>
+            <a:fillRect/>
+          </a:stretch>
+        </p:blipFill>
+        <p:spPr>
+          <a:xfrm>
+            <a:off x="288290" y="297815"/>
+            <a:ext cx="1495425" cy="1555750"/>
+          </a:xfrm>
+          <a:prstGeom prst="rect">
+            <a:avLst/>
+          </a:prstGeom>
+        </p:spPr>
+      </p:pic>
     </p:spTree>
   </p:cSld>
   <p:clrMapOvr>
